--- a/string-search/little-language.pptx
+++ b/string-search/little-language.pptx
@@ -3870,7 +3870,7 @@
         <p:spPr/>
         <p:txBody>
           <a:bodyPr>
-            <a:normAutofit fontScale="92500" lnSpcReduction="20000"/>
+            <a:normAutofit/>
           </a:bodyPr>
           <a:lstStyle/>
           <a:p>
@@ -3908,20 +3908,9 @@
             </a:r>
           </a:p>
           <a:p>
-            <a:pPr lvl="1"/>
-            <a:r>
-              <a:rPr lang="en-US" b="1" dirty="0"/>
-              <a:t>“little red fox” and road:</a:t>
-            </a:r>
             <a:r>
               <a:rPr lang="en-US" dirty="0"/>
-              <a:t> match any string containing the phrase “little red fox” and the word “road”.</a:t>
-            </a:r>
-          </a:p>
-          <a:p>
-            <a:r>
-              <a:rPr lang="en-US" dirty="0"/>
-              <a:t>I want to design my search tool so that it performs case-sensitive search, but is also capable of performing case-insensitive searches. </a:t>
+              <a:t>I want to design my search tool so that it performs case-insensitive search. </a:t>
             </a:r>
             <a:r>
               <a:rPr lang="en-US" b="1" dirty="0"/>
@@ -4128,7 +4117,7 @@
         <p:spPr/>
         <p:txBody>
           <a:bodyPr>
-            <a:normAutofit fontScale="92500"/>
+            <a:normAutofit/>
           </a:bodyPr>
           <a:lstStyle/>
           <a:p>
@@ -4519,39 +4508,6 @@
               </a:rPr>
               <a:t>word</a:t>
             </a:r>
-          </a:p>
-          <a:p>
-            <a:pPr marL="0" indent="0">
-              <a:lnSpc>
-                <a:spcPct val="0"/>
-              </a:lnSpc>
-              <a:buNone/>
-            </a:pPr>
-            <a:r>
-              <a:rPr lang="en-US" sz="1600" dirty="0" err="1">
-                <a:latin typeface="Courier New"/>
-                <a:cs typeface="Courier New"/>
-              </a:rPr>
-              <a:t>simpleExpression</a:t>
-            </a:r>
-            <a:r>
-              <a:rPr lang="en-US" sz="1600" dirty="0">
-                <a:latin typeface="Courier New"/>
-                <a:cs typeface="Courier New"/>
-              </a:rPr>
-              <a:t> -&gt; </a:t>
-            </a:r>
-            <a:r>
-              <a:rPr lang="en-US" sz="1600" b="1" dirty="0" err="1">
-                <a:latin typeface="Courier New"/>
-                <a:cs typeface="Courier New"/>
-              </a:rPr>
-              <a:t>quoted_string</a:t>
-            </a:r>
-            <a:endParaRPr lang="en-US" sz="1600" dirty="0">
-              <a:latin typeface="Courier New"/>
-              <a:cs typeface="Courier New"/>
-            </a:endParaRPr>
           </a:p>
         </p:txBody>
       </p:sp>
@@ -5089,7 +5045,7 @@
             </a:r>
             <a:r>
               <a:rPr lang="de-DE" sz="1400" b="1" dirty="0" err="1"/>
-              <a:t>e.search</a:t>
+              <a:t>e.matches</a:t>
             </a:r>
             <a:r>
               <a:rPr lang="de-DE" sz="1400" b="1" dirty="0"/>
@@ -5426,7 +5382,7 @@
             </a:pPr>
             <a:r>
               <a:rPr lang="en-US" dirty="0"/>
-              <a:t>Lexical Analyzer: converts a sequence of characters into a sequence of language-specific terminal symbols.</a:t>
+              <a:t>Lexical Analyzer: converts a sequence of characters into a sequence of language-specific terminal symbols or “tokens”.</a:t>
             </a:r>
           </a:p>
           <a:p>
@@ -5436,7 +5392,7 @@
             </a:pPr>
             <a:r>
               <a:rPr lang="en-US" dirty="0"/>
-              <a:t>Parser: converts a sequence of terminal symbols into a composite object.</a:t>
+              <a:t>Parser: converts a sequence of tokens into a composite object.</a:t>
             </a:r>
           </a:p>
           <a:p>
@@ -5571,7 +5527,7 @@
             </a:r>
             <a:r>
               <a:rPr lang="en-US" dirty="0"/>
-              <a:t> which can be expressed as a regular expression and a </a:t>
+              <a:t> which can be expressed as a regular expression and may also have a </a:t>
             </a:r>
             <a:r>
               <a:rPr lang="en-US" u="sng" dirty="0"/>
@@ -5579,7 +5535,7 @@
             </a:r>
             <a:r>
               <a:rPr lang="en-US" dirty="0"/>
-              <a:t>, which is the string that matched the regular expression for the token in question.  </a:t>
+              <a:t>, which is the string that matched the pattern for the token in question.  </a:t>
             </a:r>
           </a:p>
           <a:p>
@@ -5599,15 +5555,7 @@
             </a:r>
             <a:r>
               <a:rPr lang="en-US" dirty="0"/>
-              <a:t>, the sequence </a:t>
-            </a:r>
-            <a:r>
-              <a:rPr lang="en-US"/>
-              <a:t>of tokens produced </a:t>
-            </a:r>
-            <a:r>
-              <a:rPr lang="en-US" dirty="0"/>
-              <a:t>by consecutive calls to </a:t>
+              <a:t>, the sequence of tokens produced by consecutive calls to </a:t>
             </a:r>
             <a:r>
               <a:rPr lang="en-US" dirty="0" err="1"/>
@@ -5641,7 +5589,7 @@
             </a:pPr>
             <a:r>
               <a:rPr lang="en-US" dirty="0"/>
-              <a:t>Token {type=AND, lexeme=“and”}</a:t>
+              <a:t>Token {type=AND}</a:t>
             </a:r>
           </a:p>
           <a:p>
@@ -5651,7 +5599,7 @@
             </a:pPr>
             <a:r>
               <a:rPr lang="en-US" dirty="0"/>
-              <a:t>Token {type=NOT, lexeme=“not”}</a:t>
+              <a:t>Token {type=NOT}</a:t>
             </a:r>
           </a:p>
           <a:p>
@@ -5661,7 +5609,7 @@
             </a:pPr>
             <a:r>
               <a:rPr lang="en-US" dirty="0"/>
-              <a:t>Token {type=LEFT_PAREN, lexeme=“(”}</a:t>
+              <a:t>Token {type=LEFT_PAREN}</a:t>
             </a:r>
           </a:p>
           <a:p>
@@ -5681,7 +5629,7 @@
             </a:pPr>
             <a:r>
               <a:rPr lang="en-US" dirty="0"/>
-              <a:t>Token {type=OR, lexeme=“or”}</a:t>
+              <a:t>Token {type=OR}</a:t>
             </a:r>
           </a:p>
           <a:p>
@@ -5701,7 +5649,7 @@
             </a:pPr>
             <a:r>
               <a:rPr lang="en-US" dirty="0"/>
-              <a:t>Token {type=RIGHT_PAREN, lexeme=“)”}</a:t>
+              <a:t>Token {type=RIGHT_PAREN}</a:t>
             </a:r>
           </a:p>
           <a:p>
@@ -5711,7 +5659,7 @@
             </a:pPr>
             <a:r>
               <a:rPr lang="en-US" dirty="0"/>
-              <a:t>Token {type=EOF, lexeme=null}</a:t>
+              <a:t>Token {type=EOS}</a:t>
             </a:r>
           </a:p>
           <a:p>

--- a/string-search/little-language.pptx
+++ b/string-search/little-language.pptx
@@ -4508,6 +4508,13 @@
               </a:rPr>
               <a:t>word</a:t>
             </a:r>
+            <a:r>
+              <a:rPr lang="en-US" sz="1600" dirty="0">
+                <a:latin typeface="Courier New"/>
+                <a:cs typeface="Courier New"/>
+              </a:rPr>
+              <a:t> </a:t>
+            </a:r>
           </a:p>
         </p:txBody>
       </p:sp>
